--- a/Marylin Baudoin & Nabil Mersni.pptx
+++ b/Marylin Baudoin & Nabil Mersni.pptx
@@ -11,8 +11,8 @@
     <p:sldId id="259" r:id="rId5"/>
     <p:sldId id="261" r:id="rId6"/>
     <p:sldId id="260" r:id="rId7"/>
-    <p:sldId id="262" r:id="rId8"/>
-    <p:sldId id="263" r:id="rId9"/>
+    <p:sldId id="263" r:id="rId8"/>
+    <p:sldId id="262" r:id="rId9"/>
     <p:sldId id="264" r:id="rId10"/>
   </p:sldIdLst>
   <p:sldSz cx="12192000" cy="6858000"/>
@@ -348,7 +348,7 @@
           <a:p>
             <a:fld id="{9AB3A824-1A51-4B26-AD58-A6D8E14F6C04}" type="datetimeFigureOut">
               <a:rPr lang="en-US" dirty="0"/>
-              <a:t>12/14/2020</a:t>
+              <a:t>12/16/2020</a:t>
             </a:fld>
             <a:endParaRPr lang="en-US"/>
           </a:p>
@@ -394,7 +394,7 @@
           <a:p>
             <a:fld id="{6D22F896-40B5-4ADD-8801-0D06FADFA095}" type="slidenum">
               <a:rPr lang="en-US" dirty="0"/>
-              <a:t>‹#›</a:t>
+              <a:t>‹N°›</a:t>
             </a:fld>
             <a:endParaRPr lang="en-US"/>
           </a:p>
@@ -685,7 +685,7 @@
           <a:p>
             <a:fld id="{D857E33E-8B18-4087-B112-809917729534}" type="datetimeFigureOut">
               <a:rPr lang="en-US" dirty="0"/>
-              <a:t>12/14/2020</a:t>
+              <a:t>12/16/2020</a:t>
             </a:fld>
             <a:endParaRPr lang="en-US"/>
           </a:p>
@@ -731,7 +731,7 @@
           <a:p>
             <a:fld id="{6D22F896-40B5-4ADD-8801-0D06FADFA095}" type="slidenum">
               <a:rPr lang="en-US" dirty="0"/>
-              <a:t>‹#›</a:t>
+              <a:t>‹N°›</a:t>
             </a:fld>
             <a:endParaRPr lang="en-US"/>
           </a:p>
@@ -990,7 +990,7 @@
           <a:p>
             <a:fld id="{D3FFE419-2371-464F-8239-3959401C3561}" type="datetimeFigureOut">
               <a:rPr lang="en-US" dirty="0"/>
-              <a:t>12/14/2020</a:t>
+              <a:t>12/16/2020</a:t>
             </a:fld>
             <a:endParaRPr lang="en-US"/>
           </a:p>
@@ -1036,7 +1036,7 @@
           <a:p>
             <a:fld id="{6D22F896-40B5-4ADD-8801-0D06FADFA095}" type="slidenum">
               <a:rPr lang="en-US" dirty="0"/>
-              <a:t>‹#›</a:t>
+              <a:t>‹N°›</a:t>
             </a:fld>
             <a:endParaRPr lang="en-US"/>
           </a:p>
@@ -1240,7 +1240,7 @@
           <a:p>
             <a:fld id="{97D162C4-EDD9-4389-A98B-B87ECEA2A816}" type="datetimeFigureOut">
               <a:rPr lang="en-US" dirty="0"/>
-              <a:t>12/14/2020</a:t>
+              <a:t>12/16/2020</a:t>
             </a:fld>
             <a:endParaRPr lang="en-US"/>
           </a:p>
@@ -1286,7 +1286,7 @@
           <a:p>
             <a:fld id="{6D22F896-40B5-4ADD-8801-0D06FADFA095}" type="slidenum">
               <a:rPr lang="en-US" dirty="0"/>
-              <a:t>‹#›</a:t>
+              <a:t>‹N°›</a:t>
             </a:fld>
             <a:endParaRPr lang="en-US"/>
           </a:p>
@@ -1651,7 +1651,7 @@
           <a:p>
             <a:fld id="{3E5059C3-6A89-4494-99FF-5A4D6FFD50EB}" type="datetimeFigureOut">
               <a:rPr lang="en-US" dirty="0"/>
-              <a:t>12/14/2020</a:t>
+              <a:t>12/16/2020</a:t>
             </a:fld>
             <a:endParaRPr lang="en-US"/>
           </a:p>
@@ -1697,7 +1697,7 @@
           <a:p>
             <a:fld id="{6D22F896-40B5-4ADD-8801-0D06FADFA095}" type="slidenum">
               <a:rPr lang="en-US" dirty="0"/>
-              <a:t>‹#›</a:t>
+              <a:t>‹N°›</a:t>
             </a:fld>
             <a:endParaRPr lang="en-US"/>
           </a:p>
@@ -1967,7 +1967,7 @@
           <a:p>
             <a:fld id="{CA954B2F-12DE-47F5-8894-472B206D2E1E}" type="datetimeFigureOut">
               <a:rPr lang="en-US" dirty="0"/>
-              <a:t>12/14/2020</a:t>
+              <a:t>12/16/2020</a:t>
             </a:fld>
             <a:endParaRPr lang="en-US"/>
           </a:p>
@@ -2013,7 +2013,7 @@
           <a:p>
             <a:fld id="{6D22F896-40B5-4ADD-8801-0D06FADFA095}" type="slidenum">
               <a:rPr lang="en-US" dirty="0"/>
-              <a:t>‹#›</a:t>
+              <a:t>‹N°›</a:t>
             </a:fld>
             <a:endParaRPr lang="en-US"/>
           </a:p>
@@ -2513,7 +2513,7 @@
           <a:p>
             <a:fld id="{3F30E46F-7819-4ACF-B48B-48222C2ACC88}" type="datetimeFigureOut">
               <a:rPr lang="en-US" dirty="0"/>
-              <a:t>12/14/2020</a:t>
+              <a:t>12/16/2020</a:t>
             </a:fld>
             <a:endParaRPr lang="en-US"/>
           </a:p>
@@ -2559,7 +2559,7 @@
           <a:p>
             <a:fld id="{6D22F896-40B5-4ADD-8801-0D06FADFA095}" type="slidenum">
               <a:rPr lang="en-US" dirty="0"/>
-              <a:t>‹#›</a:t>
+              <a:t>‹N°›</a:t>
             </a:fld>
             <a:endParaRPr lang="en-US"/>
           </a:p>
@@ -2712,7 +2712,7 @@
           <a:p>
             <a:fld id="{1FAF3416-4057-4DAA-829D-4CA07428D088}" type="datetimeFigureOut">
               <a:rPr lang="en-US" dirty="0"/>
-              <a:t>12/14/2020</a:t>
+              <a:t>12/16/2020</a:t>
             </a:fld>
             <a:endParaRPr lang="en-US"/>
           </a:p>
@@ -2758,7 +2758,7 @@
           <a:p>
             <a:fld id="{6D22F896-40B5-4ADD-8801-0D06FADFA095}" type="slidenum">
               <a:rPr lang="en-US" dirty="0"/>
-              <a:t>‹#›</a:t>
+              <a:t>‹N°›</a:t>
             </a:fld>
             <a:endParaRPr lang="en-US"/>
           </a:p>
@@ -2930,7 +2930,7 @@
           <a:p>
             <a:fld id="{921D9284-D300-4297-87F7-E791DCC15DB1}" type="datetimeFigureOut">
               <a:rPr lang="en-US" dirty="0"/>
-              <a:t>12/14/2020</a:t>
+              <a:t>12/16/2020</a:t>
             </a:fld>
             <a:endParaRPr lang="en-US"/>
           </a:p>
@@ -2976,7 +2976,7 @@
           <a:p>
             <a:fld id="{6D22F896-40B5-4ADD-8801-0D06FADFA095}" type="slidenum">
               <a:rPr lang="en-US" dirty="0"/>
-              <a:t>‹#›</a:t>
+              <a:t>‹N°›</a:t>
             </a:fld>
             <a:endParaRPr lang="en-US"/>
           </a:p>
@@ -3302,7 +3302,7 @@
           <a:p>
             <a:fld id="{37D525BB-DA17-4BA0-B3C8-3AC3ABC827E6}" type="datetimeFigureOut">
               <a:rPr lang="en-US" dirty="0"/>
-              <a:t>12/14/2020</a:t>
+              <a:t>12/16/2020</a:t>
             </a:fld>
             <a:endParaRPr lang="en-US"/>
           </a:p>
@@ -3348,7 +3348,7 @@
           <a:p>
             <a:fld id="{6D22F896-40B5-4ADD-8801-0D06FADFA095}" type="slidenum">
               <a:rPr lang="en-US" dirty="0"/>
-              <a:t>‹#›</a:t>
+              <a:t>‹N°›</a:t>
             </a:fld>
             <a:endParaRPr lang="en-US"/>
           </a:p>
@@ -3705,7 +3705,7 @@
           <a:p>
             <a:fld id="{B16C4C9A-3960-41CF-A4E9-2A8FB932454B}" type="datetimeFigureOut">
               <a:rPr lang="en-US" dirty="0"/>
-              <a:t>12/14/2020</a:t>
+              <a:t>12/16/2020</a:t>
             </a:fld>
             <a:endParaRPr lang="en-US"/>
           </a:p>
@@ -3751,7 +3751,7 @@
           <a:p>
             <a:fld id="{6D22F896-40B5-4ADD-8801-0D06FADFA095}" type="slidenum">
               <a:rPr lang="en-US" dirty="0"/>
-              <a:t>‹#›</a:t>
+              <a:t>‹N°›</a:t>
             </a:fld>
             <a:endParaRPr lang="en-US"/>
           </a:p>
@@ -4047,7 +4047,7 @@
           <a:p>
             <a:fld id="{3CBC1C18-307B-4F68-A007-B5B542270E8D}" type="datetimeFigureOut">
               <a:rPr lang="en-US" dirty="0"/>
-              <a:t>12/14/2020</a:t>
+              <a:t>12/16/2020</a:t>
             </a:fld>
             <a:endParaRPr lang="en-US"/>
           </a:p>
@@ -4130,7 +4130,7 @@
             <a:fld id="{6D22F896-40B5-4ADD-8801-0D06FADFA095}" type="slidenum">
               <a:rPr lang="en-US" dirty="0"/>
               <a:pPr/>
-              <a:t>‹#›</a:t>
+              <a:t>‹N°›</a:t>
             </a:fld>
             <a:endParaRPr lang="en-US"/>
           </a:p>
@@ -6885,6 +6885,36 @@
           </a:xfrm>
         </p:spPr>
       </p:pic>
+      <p:pic>
+        <p:nvPicPr>
+          <p:cNvPr id="4" name="Image 3">
+            <a:extLst>
+              <a:ext uri="{FF2B5EF4-FFF2-40B4-BE49-F238E27FC236}">
+                <a16:creationId xmlns:a16="http://schemas.microsoft.com/office/drawing/2014/main" id="{536E4CD5-797E-4BF9-8EA7-BB001AFD04DB}"/>
+              </a:ext>
+            </a:extLst>
+          </p:cNvPr>
+          <p:cNvPicPr>
+            <a:picLocks noChangeAspect="1"/>
+          </p:cNvPicPr>
+          <p:nvPr/>
+        </p:nvPicPr>
+        <p:blipFill>
+          <a:blip r:embed="rId6"/>
+          <a:stretch>
+            <a:fillRect/>
+          </a:stretch>
+        </p:blipFill>
+        <p:spPr>
+          <a:xfrm>
+            <a:off x="7309338" y="5084811"/>
+            <a:ext cx="2310860" cy="914715"/>
+          </a:xfrm>
+          <a:prstGeom prst="rect">
+            <a:avLst/>
+          </a:prstGeom>
+        </p:spPr>
+      </p:pic>
     </p:spTree>
     <p:extLst>
       <p:ext uri="{BB962C8B-B14F-4D97-AF65-F5344CB8AC3E}">
@@ -10345,6 +10375,1020 @@
           <a:chExt cx="0" cy="0"/>
         </a:xfrm>
       </p:grpSpPr>
+      <p:pic>
+        <p:nvPicPr>
+          <p:cNvPr id="48" name="Picture 47">
+            <a:extLst>
+              <a:ext uri="{FF2B5EF4-FFF2-40B4-BE49-F238E27FC236}">
+                <a16:creationId xmlns:a16="http://schemas.microsoft.com/office/drawing/2014/main" id="{ACA0F49E-11A3-43A8-9EDA-2A9BD969D4F6}"/>
+              </a:ext>
+              <a:ext uri="{C183D7F6-B498-43B3-948B-1728B52AA6E4}">
+                <adec:decorative xmlns:adec="http://schemas.microsoft.com/office/drawing/2017/decorative" val="1"/>
+              </a:ext>
+            </a:extLst>
+          </p:cNvPr>
+          <p:cNvPicPr>
+            <a:picLocks noGrp="1" noRot="1" noChangeAspect="1" noMove="1" noResize="1" noEditPoints="1" noAdjustHandles="1" noChangeArrowheads="1" noChangeShapeType="1" noCrop="1"/>
+          </p:cNvPicPr>
+          <p:nvPr>
+            <p:extLst>
+              <p:ext uri="{386F3935-93C4-4BCD-93E2-E3B085C9AB24}">
+                <p16:designElem xmlns:p16="http://schemas.microsoft.com/office/powerpoint/2015/main" val="1"/>
+              </p:ext>
+            </p:extLst>
+          </p:nvPr>
+        </p:nvPicPr>
+        <p:blipFill>
+          <a:blip r:embed="rId3">
+            <a:extLst>
+              <a:ext uri="{28A0092B-C50C-407E-A947-70E740481C1C}">
+                <a14:useLocalDpi xmlns:a14="http://schemas.microsoft.com/office/drawing/2010/main" val="0"/>
+              </a:ext>
+            </a:extLst>
+          </a:blip>
+          <a:stretch>
+            <a:fillRect/>
+          </a:stretch>
+        </p:blipFill>
+        <p:spPr>
+          <a:xfrm>
+            <a:off x="2831794" y="2105202"/>
+            <a:ext cx="9360205" cy="4752798"/>
+          </a:xfrm>
+          <a:prstGeom prst="rect">
+            <a:avLst/>
+          </a:prstGeom>
+        </p:spPr>
+      </p:pic>
+      <p:pic>
+        <p:nvPicPr>
+          <p:cNvPr id="50" name="Picture 49">
+            <a:extLst>
+              <a:ext uri="{FF2B5EF4-FFF2-40B4-BE49-F238E27FC236}">
+                <a16:creationId xmlns:a16="http://schemas.microsoft.com/office/drawing/2014/main" id="{664B0BA6-562E-451C-B285-128973BB5151}"/>
+              </a:ext>
+              <a:ext uri="{C183D7F6-B498-43B3-948B-1728B52AA6E4}">
+                <adec:decorative xmlns:adec="http://schemas.microsoft.com/office/drawing/2017/decorative" val="1"/>
+              </a:ext>
+            </a:extLst>
+          </p:cNvPr>
+          <p:cNvPicPr>
+            <a:picLocks noGrp="1" noRot="1" noChangeAspect="1" noMove="1" noResize="1" noEditPoints="1" noAdjustHandles="1" noChangeArrowheads="1" noChangeShapeType="1" noCrop="1"/>
+          </p:cNvPicPr>
+          <p:nvPr>
+            <p:extLst>
+              <p:ext uri="{386F3935-93C4-4BCD-93E2-E3B085C9AB24}">
+                <p16:designElem xmlns:p16="http://schemas.microsoft.com/office/powerpoint/2015/main" val="1"/>
+              </p:ext>
+            </p:extLst>
+          </p:nvPr>
+        </p:nvPicPr>
+        <p:blipFill>
+          <a:blip r:embed="rId4">
+            <a:extLst>
+              <a:ext uri="{28A0092B-C50C-407E-A947-70E740481C1C}">
+                <a14:useLocalDpi xmlns:a14="http://schemas.microsoft.com/office/drawing/2010/main" val="0"/>
+              </a:ext>
+            </a:extLst>
+          </a:blip>
+          <a:stretch>
+            <a:fillRect/>
+          </a:stretch>
+        </p:blipFill>
+        <p:spPr>
+          <a:xfrm>
+            <a:off x="0" y="0"/>
+            <a:ext cx="12189867" cy="6858000"/>
+          </a:xfrm>
+          <a:prstGeom prst="rect">
+            <a:avLst/>
+          </a:prstGeom>
+        </p:spPr>
+      </p:pic>
+      <p:sp>
+        <p:nvSpPr>
+          <p:cNvPr id="52" name="Rectangle 51">
+            <a:extLst>
+              <a:ext uri="{FF2B5EF4-FFF2-40B4-BE49-F238E27FC236}">
+                <a16:creationId xmlns:a16="http://schemas.microsoft.com/office/drawing/2014/main" id="{01E02663-98E0-4C21-B6ED-DC87FDEEDEA5}"/>
+              </a:ext>
+              <a:ext uri="{C183D7F6-B498-43B3-948B-1728B52AA6E4}">
+                <adec:decorative xmlns:adec="http://schemas.microsoft.com/office/drawing/2017/decorative" val="1"/>
+              </a:ext>
+            </a:extLst>
+          </p:cNvPr>
+          <p:cNvSpPr>
+            <a:spLocks noGrp="1" noRot="1" noChangeAspect="1" noMove="1" noResize="1" noEditPoints="1" noAdjustHandles="1" noChangeArrowheads="1" noChangeShapeType="1" noTextEdit="1"/>
+          </p:cNvSpPr>
+          <p:nvPr>
+            <p:extLst>
+              <p:ext uri="{386F3935-93C4-4BCD-93E2-E3B085C9AB24}">
+                <p16:designElem xmlns:p16="http://schemas.microsoft.com/office/powerpoint/2015/main" val="1"/>
+              </p:ext>
+            </p:extLst>
+          </p:nvPr>
+        </p:nvSpPr>
+        <p:spPr>
+          <a:xfrm>
+            <a:off x="0" y="0"/>
+            <a:ext cx="964174" cy="6858000"/>
+          </a:xfrm>
+          <a:prstGeom prst="rect">
+            <a:avLst/>
+          </a:prstGeom>
+          <a:solidFill>
+            <a:schemeClr val="bg2"/>
+          </a:solidFill>
+          <a:ln>
+            <a:noFill/>
+          </a:ln>
+        </p:spPr>
+        <p:style>
+          <a:lnRef idx="2">
+            <a:schemeClr val="accent1">
+              <a:shade val="50000"/>
+            </a:schemeClr>
+          </a:lnRef>
+          <a:fillRef idx="1">
+            <a:schemeClr val="accent1"/>
+          </a:fillRef>
+          <a:effectRef idx="0">
+            <a:schemeClr val="accent1"/>
+          </a:effectRef>
+          <a:fontRef idx="minor">
+            <a:schemeClr val="lt1"/>
+          </a:fontRef>
+        </p:style>
+      </p:sp>
+      <p:sp>
+        <p:nvSpPr>
+          <p:cNvPr id="54" name="Rectangle 53">
+            <a:extLst>
+              <a:ext uri="{FF2B5EF4-FFF2-40B4-BE49-F238E27FC236}">
+                <a16:creationId xmlns:a16="http://schemas.microsoft.com/office/drawing/2014/main" id="{B487FE52-B438-4D9D-83C3-37B824B632F5}"/>
+              </a:ext>
+              <a:ext uri="{C183D7F6-B498-43B3-948B-1728B52AA6E4}">
+                <adec:decorative xmlns:adec="http://schemas.microsoft.com/office/drawing/2017/decorative" val="1"/>
+              </a:ext>
+            </a:extLst>
+          </p:cNvPr>
+          <p:cNvSpPr>
+            <a:spLocks noGrp="1" noRot="1" noChangeAspect="1" noMove="1" noResize="1" noEditPoints="1" noAdjustHandles="1" noChangeArrowheads="1" noChangeShapeType="1" noTextEdit="1"/>
+          </p:cNvSpPr>
+          <p:nvPr>
+            <p:extLst>
+              <p:ext uri="{386F3935-93C4-4BCD-93E2-E3B085C9AB24}">
+                <p16:designElem xmlns:p16="http://schemas.microsoft.com/office/powerpoint/2015/main" val="1"/>
+              </p:ext>
+            </p:extLst>
+          </p:nvPr>
+        </p:nvSpPr>
+        <p:spPr>
+          <a:xfrm>
+            <a:off x="962042" y="0"/>
+            <a:ext cx="45719" cy="6858000"/>
+          </a:xfrm>
+          <a:prstGeom prst="rect">
+            <a:avLst/>
+          </a:prstGeom>
+          <a:solidFill>
+            <a:schemeClr val="accent6"/>
+          </a:solidFill>
+          <a:ln>
+            <a:noFill/>
+          </a:ln>
+        </p:spPr>
+        <p:style>
+          <a:lnRef idx="2">
+            <a:schemeClr val="accent1">
+              <a:shade val="50000"/>
+            </a:schemeClr>
+          </a:lnRef>
+          <a:fillRef idx="1">
+            <a:schemeClr val="accent1"/>
+          </a:fillRef>
+          <a:effectRef idx="0">
+            <a:schemeClr val="accent1"/>
+          </a:effectRef>
+          <a:fontRef idx="minor">
+            <a:schemeClr val="lt1"/>
+          </a:fontRef>
+        </p:style>
+      </p:sp>
+      <p:sp>
+        <p:nvSpPr>
+          <p:cNvPr id="56" name="Rectangle 55">
+            <a:extLst>
+              <a:ext uri="{FF2B5EF4-FFF2-40B4-BE49-F238E27FC236}">
+                <a16:creationId xmlns:a16="http://schemas.microsoft.com/office/drawing/2014/main" id="{5304DB49-65A9-45C4-99EA-8FD7664564DC}"/>
+              </a:ext>
+              <a:ext uri="{C183D7F6-B498-43B3-948B-1728B52AA6E4}">
+                <adec:decorative xmlns:adec="http://schemas.microsoft.com/office/drawing/2017/decorative" val="1"/>
+              </a:ext>
+            </a:extLst>
+          </p:cNvPr>
+          <p:cNvSpPr>
+            <a:spLocks noGrp="1" noRot="1" noChangeAspect="1" noMove="1" noResize="1" noEditPoints="1" noAdjustHandles="1" noChangeArrowheads="1" noChangeShapeType="1" noTextEdit="1"/>
+          </p:cNvSpPr>
+          <p:nvPr>
+            <p:extLst>
+              <p:ext uri="{386F3935-93C4-4BCD-93E2-E3B085C9AB24}">
+                <p16:designElem xmlns:p16="http://schemas.microsoft.com/office/powerpoint/2015/main" val="1"/>
+              </p:ext>
+            </p:extLst>
+          </p:nvPr>
+        </p:nvSpPr>
+        <p:spPr>
+          <a:xfrm>
+            <a:off x="1007533" y="0"/>
+            <a:ext cx="7934348" cy="6858000"/>
+          </a:xfrm>
+          <a:prstGeom prst="rect">
+            <a:avLst/>
+          </a:prstGeom>
+          <a:solidFill>
+            <a:schemeClr val="bg2">
+              <a:alpha val="92000"/>
+            </a:schemeClr>
+          </a:solidFill>
+          <a:ln>
+            <a:noFill/>
+          </a:ln>
+        </p:spPr>
+        <p:style>
+          <a:lnRef idx="2">
+            <a:schemeClr val="accent1">
+              <a:shade val="50000"/>
+            </a:schemeClr>
+          </a:lnRef>
+          <a:fillRef idx="1">
+            <a:schemeClr val="accent1"/>
+          </a:fillRef>
+          <a:effectRef idx="0">
+            <a:schemeClr val="accent1"/>
+          </a:effectRef>
+          <a:fontRef idx="minor">
+            <a:schemeClr val="lt1"/>
+          </a:fontRef>
+        </p:style>
+      </p:sp>
+      <p:sp>
+        <p:nvSpPr>
+          <p:cNvPr id="58" name="Rectangle 57">
+            <a:extLst>
+              <a:ext uri="{FF2B5EF4-FFF2-40B4-BE49-F238E27FC236}">
+                <a16:creationId xmlns:a16="http://schemas.microsoft.com/office/drawing/2014/main" id="{E4B9951D-465E-4556-A253-B5D6BAA430ED}"/>
+              </a:ext>
+              <a:ext uri="{C183D7F6-B498-43B3-948B-1728B52AA6E4}">
+                <adec:decorative xmlns:adec="http://schemas.microsoft.com/office/drawing/2017/decorative" val="1"/>
+              </a:ext>
+            </a:extLst>
+          </p:cNvPr>
+          <p:cNvSpPr>
+            <a:spLocks noGrp="1" noRot="1" noChangeAspect="1" noMove="1" noResize="1" noEditPoints="1" noAdjustHandles="1" noChangeArrowheads="1" noChangeShapeType="1" noTextEdit="1"/>
+          </p:cNvSpPr>
+          <p:nvPr>
+            <p:extLst>
+              <p:ext uri="{386F3935-93C4-4BCD-93E2-E3B085C9AB24}">
+                <p16:designElem xmlns:p16="http://schemas.microsoft.com/office/powerpoint/2015/main" val="1"/>
+              </p:ext>
+            </p:extLst>
+          </p:nvPr>
+        </p:nvSpPr>
+        <p:spPr>
+          <a:xfrm>
+            <a:off x="8941881" y="0"/>
+            <a:ext cx="27432" cy="6858000"/>
+          </a:xfrm>
+          <a:prstGeom prst="rect">
+            <a:avLst/>
+          </a:prstGeom>
+          <a:solidFill>
+            <a:schemeClr val="accent6"/>
+          </a:solidFill>
+          <a:ln>
+            <a:noFill/>
+          </a:ln>
+        </p:spPr>
+        <p:style>
+          <a:lnRef idx="2">
+            <a:schemeClr val="accent1">
+              <a:shade val="50000"/>
+            </a:schemeClr>
+          </a:lnRef>
+          <a:fillRef idx="1">
+            <a:schemeClr val="accent1"/>
+          </a:fillRef>
+          <a:effectRef idx="0">
+            <a:schemeClr val="accent1"/>
+          </a:effectRef>
+          <a:fontRef idx="minor">
+            <a:schemeClr val="lt1"/>
+          </a:fontRef>
+        </p:style>
+      </p:sp>
+      <p:sp>
+        <p:nvSpPr>
+          <p:cNvPr id="60" name="TextBox 59">
+            <a:extLst>
+              <a:ext uri="{FF2B5EF4-FFF2-40B4-BE49-F238E27FC236}">
+                <a16:creationId xmlns:a16="http://schemas.microsoft.com/office/drawing/2014/main" id="{CA5394D2-60B1-44F7-B5AD-B01C4EEB7BCE}"/>
+              </a:ext>
+              <a:ext uri="{C183D7F6-B498-43B3-948B-1728B52AA6E4}">
+                <adec:decorative xmlns:adec="http://schemas.microsoft.com/office/drawing/2017/decorative" val="1"/>
+              </a:ext>
+            </a:extLst>
+          </p:cNvPr>
+          <p:cNvSpPr txBox="1">
+            <a:spLocks noGrp="1" noRot="1" noChangeAspect="1" noMove="1" noResize="1" noEditPoints="1" noAdjustHandles="1" noChangeArrowheads="1" noChangeShapeType="1" noTextEdit="1"/>
+          </p:cNvSpPr>
+          <p:nvPr>
+            <p:extLst>
+              <p:ext uri="{386F3935-93C4-4BCD-93E2-E3B085C9AB24}">
+                <p16:designElem xmlns:p16="http://schemas.microsoft.com/office/powerpoint/2015/main" val="1"/>
+              </p:ext>
+            </p:extLst>
+          </p:nvPr>
+        </p:nvSpPr>
+        <p:spPr>
+          <a:xfrm>
+            <a:off x="2191282" y="3262852"/>
+            <a:ext cx="415636" cy="461665"/>
+          </a:xfrm>
+          <a:prstGeom prst="rect">
+            <a:avLst/>
+          </a:prstGeom>
+          <a:noFill/>
+        </p:spPr>
+        <p:txBody>
+          <a:bodyPr wrap="square" rtlCol="0">
+            <a:spAutoFit/>
+          </a:bodyPr>
+          <a:lstStyle/>
+          <a:p>
+            <a:pPr algn="r">
+              <a:spcAft>
+                <a:spcPts val="600"/>
+              </a:spcAft>
+            </a:pPr>
+            <a:r>
+              <a:rPr lang="en-US" sz="2400">
+                <a:solidFill>
+                  <a:schemeClr val="accent6"/>
+                </a:solidFill>
+                <a:latin typeface="Wingdings 3" panose="05040102010807070707" pitchFamily="18" charset="2"/>
+              </a:rPr>
+              <a:t>z</a:t>
+            </a:r>
+            <a:endParaRPr lang="en-US" sz="2400">
+              <a:solidFill>
+                <a:schemeClr val="accent6"/>
+              </a:solidFill>
+              <a:latin typeface="MS Shell Dlg 2" panose="020B0604030504040204" pitchFamily="34" charset="0"/>
+            </a:endParaRPr>
+          </a:p>
+        </p:txBody>
+      </p:sp>
+      <p:sp useBgFill="1">
+        <p:nvSpPr>
+          <p:cNvPr id="62" name="Rectangle 61">
+            <a:extLst>
+              <a:ext uri="{FF2B5EF4-FFF2-40B4-BE49-F238E27FC236}">
+                <a16:creationId xmlns:a16="http://schemas.microsoft.com/office/drawing/2014/main" id="{6C023B43-933C-488C-AD4B-B9DC86B35F64}"/>
+              </a:ext>
+              <a:ext uri="{C183D7F6-B498-43B3-948B-1728B52AA6E4}">
+                <adec:decorative xmlns:adec="http://schemas.microsoft.com/office/drawing/2017/decorative" val="1"/>
+              </a:ext>
+            </a:extLst>
+          </p:cNvPr>
+          <p:cNvSpPr>
+            <a:spLocks noGrp="1" noRot="1" noChangeAspect="1" noMove="1" noResize="1" noEditPoints="1" noAdjustHandles="1" noChangeArrowheads="1" noChangeShapeType="1" noTextEdit="1"/>
+          </p:cNvSpPr>
+          <p:nvPr>
+            <p:extLst>
+              <p:ext uri="{386F3935-93C4-4BCD-93E2-E3B085C9AB24}">
+                <p16:designElem xmlns:p16="http://schemas.microsoft.com/office/powerpoint/2015/main" val="1"/>
+              </p:ext>
+            </p:extLst>
+          </p:nvPr>
+        </p:nvSpPr>
+        <p:spPr>
+          <a:xfrm>
+            <a:off x="0" y="0"/>
+            <a:ext cx="12189867" cy="6855282"/>
+          </a:xfrm>
+          <a:prstGeom prst="rect">
+            <a:avLst/>
+          </a:prstGeom>
+          <a:ln>
+            <a:noFill/>
+          </a:ln>
+        </p:spPr>
+        <p:style>
+          <a:lnRef idx="2">
+            <a:schemeClr val="accent1">
+              <a:shade val="50000"/>
+            </a:schemeClr>
+          </a:lnRef>
+          <a:fillRef idx="1">
+            <a:schemeClr val="accent1"/>
+          </a:fillRef>
+          <a:effectRef idx="0">
+            <a:schemeClr val="accent1"/>
+          </a:effectRef>
+          <a:fontRef idx="minor">
+            <a:schemeClr val="lt1"/>
+          </a:fontRef>
+        </p:style>
+        <p:txBody>
+          <a:bodyPr rtlCol="0" anchor="ctr"/>
+          <a:lstStyle/>
+          <a:p>
+            <a:pPr algn="ctr"/>
+            <a:endParaRPr lang="en-US"/>
+          </a:p>
+        </p:txBody>
+      </p:sp>
+      <p:pic>
+        <p:nvPicPr>
+          <p:cNvPr id="64" name="Picture 63">
+            <a:extLst>
+              <a:ext uri="{FF2B5EF4-FFF2-40B4-BE49-F238E27FC236}">
+                <a16:creationId xmlns:a16="http://schemas.microsoft.com/office/drawing/2014/main" id="{7E4D34DC-AC37-44BA-8319-F44E6F60AC14}"/>
+              </a:ext>
+              <a:ext uri="{C183D7F6-B498-43B3-948B-1728B52AA6E4}">
+                <adec:decorative xmlns:adec="http://schemas.microsoft.com/office/drawing/2017/decorative" val="1"/>
+              </a:ext>
+            </a:extLst>
+          </p:cNvPr>
+          <p:cNvPicPr>
+            <a:picLocks noGrp="1" noRot="1" noChangeAspect="1" noMove="1" noResize="1" noEditPoints="1" noAdjustHandles="1" noChangeArrowheads="1" noChangeShapeType="1" noCrop="1"/>
+          </p:cNvPicPr>
+          <p:nvPr>
+            <p:extLst>
+              <p:ext uri="{386F3935-93C4-4BCD-93E2-E3B085C9AB24}">
+                <p16:designElem xmlns:p16="http://schemas.microsoft.com/office/powerpoint/2015/main" val="1"/>
+              </p:ext>
+            </p:extLst>
+          </p:nvPr>
+        </p:nvPicPr>
+        <p:blipFill>
+          <a:blip r:embed="rId3">
+            <a:extLst>
+              <a:ext uri="{28A0092B-C50C-407E-A947-70E740481C1C}">
+                <a14:useLocalDpi xmlns:a14="http://schemas.microsoft.com/office/drawing/2010/main" val="0"/>
+              </a:ext>
+            </a:extLst>
+          </a:blip>
+          <a:stretch>
+            <a:fillRect/>
+          </a:stretch>
+        </p:blipFill>
+        <p:spPr>
+          <a:xfrm>
+            <a:off x="2831794" y="2105202"/>
+            <a:ext cx="9360205" cy="4752798"/>
+          </a:xfrm>
+          <a:prstGeom prst="rect">
+            <a:avLst/>
+          </a:prstGeom>
+        </p:spPr>
+      </p:pic>
+      <p:pic>
+        <p:nvPicPr>
+          <p:cNvPr id="66" name="Picture 65">
+            <a:extLst>
+              <a:ext uri="{FF2B5EF4-FFF2-40B4-BE49-F238E27FC236}">
+                <a16:creationId xmlns:a16="http://schemas.microsoft.com/office/drawing/2014/main" id="{07B07F4F-2590-4DF6-B889-8B5791C2A2D8}"/>
+              </a:ext>
+              <a:ext uri="{C183D7F6-B498-43B3-948B-1728B52AA6E4}">
+                <adec:decorative xmlns:adec="http://schemas.microsoft.com/office/drawing/2017/decorative" val="1"/>
+              </a:ext>
+            </a:extLst>
+          </p:cNvPr>
+          <p:cNvPicPr>
+            <a:picLocks noGrp="1" noRot="1" noChangeAspect="1" noMove="1" noResize="1" noEditPoints="1" noAdjustHandles="1" noChangeArrowheads="1" noChangeShapeType="1" noCrop="1"/>
+          </p:cNvPicPr>
+          <p:nvPr>
+            <p:extLst>
+              <p:ext uri="{386F3935-93C4-4BCD-93E2-E3B085C9AB24}">
+                <p16:designElem xmlns:p16="http://schemas.microsoft.com/office/powerpoint/2015/main" val="1"/>
+              </p:ext>
+            </p:extLst>
+          </p:nvPr>
+        </p:nvPicPr>
+        <p:blipFill>
+          <a:blip r:embed="rId4">
+            <a:alphaModFix/>
+            <a:extLst>
+              <a:ext uri="{28A0092B-C50C-407E-A947-70E740481C1C}">
+                <a14:useLocalDpi xmlns:a14="http://schemas.microsoft.com/office/drawing/2010/main" val="0"/>
+              </a:ext>
+            </a:extLst>
+          </a:blip>
+          <a:stretch>
+            <a:fillRect/>
+          </a:stretch>
+        </p:blipFill>
+        <p:spPr>
+          <a:xfrm>
+            <a:off x="0" y="0"/>
+            <a:ext cx="12189867" cy="6858000"/>
+          </a:xfrm>
+          <a:prstGeom prst="rect">
+            <a:avLst/>
+          </a:prstGeom>
+        </p:spPr>
+      </p:pic>
+      <p:sp>
+        <p:nvSpPr>
+          <p:cNvPr id="68" name="Rectangle 67">
+            <a:extLst>
+              <a:ext uri="{FF2B5EF4-FFF2-40B4-BE49-F238E27FC236}">
+                <a16:creationId xmlns:a16="http://schemas.microsoft.com/office/drawing/2014/main" id="{95404E8B-F56B-4289-8BD6-562FF47DAE99}"/>
+              </a:ext>
+              <a:ext uri="{C183D7F6-B498-43B3-948B-1728B52AA6E4}">
+                <adec:decorative xmlns:adec="http://schemas.microsoft.com/office/drawing/2017/decorative" val="1"/>
+              </a:ext>
+            </a:extLst>
+          </p:cNvPr>
+          <p:cNvSpPr>
+            <a:spLocks noGrp="1" noRot="1" noChangeAspect="1" noMove="1" noResize="1" noEditPoints="1" noAdjustHandles="1" noChangeArrowheads="1" noChangeShapeType="1" noTextEdit="1"/>
+          </p:cNvSpPr>
+          <p:nvPr>
+            <p:extLst>
+              <p:ext uri="{386F3935-93C4-4BCD-93E2-E3B085C9AB24}">
+                <p16:designElem xmlns:p16="http://schemas.microsoft.com/office/powerpoint/2015/main" val="1"/>
+              </p:ext>
+            </p:extLst>
+          </p:nvPr>
+        </p:nvSpPr>
+        <p:spPr>
+          <a:xfrm>
+            <a:off x="0" y="0"/>
+            <a:ext cx="964174" cy="6858000"/>
+          </a:xfrm>
+          <a:prstGeom prst="rect">
+            <a:avLst/>
+          </a:prstGeom>
+          <a:solidFill>
+            <a:schemeClr val="bg2"/>
+          </a:solidFill>
+          <a:ln>
+            <a:noFill/>
+          </a:ln>
+        </p:spPr>
+        <p:style>
+          <a:lnRef idx="2">
+            <a:schemeClr val="accent1">
+              <a:shade val="50000"/>
+            </a:schemeClr>
+          </a:lnRef>
+          <a:fillRef idx="1">
+            <a:schemeClr val="accent1"/>
+          </a:fillRef>
+          <a:effectRef idx="0">
+            <a:schemeClr val="accent1"/>
+          </a:effectRef>
+          <a:fontRef idx="minor">
+            <a:schemeClr val="lt1"/>
+          </a:fontRef>
+        </p:style>
+        <p:txBody>
+          <a:bodyPr rtlCol="0" anchor="ctr"/>
+          <a:lstStyle/>
+          <a:p>
+            <a:pPr algn="ctr"/>
+            <a:endParaRPr lang="en-US"/>
+          </a:p>
+        </p:txBody>
+      </p:sp>
+      <p:sp>
+        <p:nvSpPr>
+          <p:cNvPr id="70" name="Rectangle 69">
+            <a:extLst>
+              <a:ext uri="{FF2B5EF4-FFF2-40B4-BE49-F238E27FC236}">
+                <a16:creationId xmlns:a16="http://schemas.microsoft.com/office/drawing/2014/main" id="{985AD3F2-101C-4022-8E16-9379DE8E454F}"/>
+              </a:ext>
+              <a:ext uri="{C183D7F6-B498-43B3-948B-1728B52AA6E4}">
+                <adec:decorative xmlns:adec="http://schemas.microsoft.com/office/drawing/2017/decorative" val="1"/>
+              </a:ext>
+            </a:extLst>
+          </p:cNvPr>
+          <p:cNvSpPr>
+            <a:spLocks noGrp="1" noRot="1" noChangeAspect="1" noMove="1" noResize="1" noEditPoints="1" noAdjustHandles="1" noChangeArrowheads="1" noChangeShapeType="1" noTextEdit="1"/>
+          </p:cNvSpPr>
+          <p:nvPr>
+            <p:extLst>
+              <p:ext uri="{386F3935-93C4-4BCD-93E2-E3B085C9AB24}">
+                <p16:designElem xmlns:p16="http://schemas.microsoft.com/office/powerpoint/2015/main" val="1"/>
+              </p:ext>
+            </p:extLst>
+          </p:nvPr>
+        </p:nvSpPr>
+        <p:spPr>
+          <a:xfrm>
+            <a:off x="962042" y="0"/>
+            <a:ext cx="45719" cy="6858000"/>
+          </a:xfrm>
+          <a:prstGeom prst="rect">
+            <a:avLst/>
+          </a:prstGeom>
+          <a:solidFill>
+            <a:schemeClr val="accent6"/>
+          </a:solidFill>
+          <a:ln>
+            <a:noFill/>
+          </a:ln>
+        </p:spPr>
+        <p:style>
+          <a:lnRef idx="2">
+            <a:schemeClr val="accent1">
+              <a:shade val="50000"/>
+            </a:schemeClr>
+          </a:lnRef>
+          <a:fillRef idx="1">
+            <a:schemeClr val="accent1"/>
+          </a:fillRef>
+          <a:effectRef idx="0">
+            <a:schemeClr val="accent1"/>
+          </a:effectRef>
+          <a:fontRef idx="minor">
+            <a:schemeClr val="lt1"/>
+          </a:fontRef>
+        </p:style>
+        <p:txBody>
+          <a:bodyPr rtlCol="0" anchor="ctr"/>
+          <a:lstStyle/>
+          <a:p>
+            <a:pPr algn="ctr"/>
+            <a:endParaRPr lang="en-US"/>
+          </a:p>
+        </p:txBody>
+      </p:sp>
+      <p:sp>
+        <p:nvSpPr>
+          <p:cNvPr id="72" name="Rectangle 71">
+            <a:extLst>
+              <a:ext uri="{FF2B5EF4-FFF2-40B4-BE49-F238E27FC236}">
+                <a16:creationId xmlns:a16="http://schemas.microsoft.com/office/drawing/2014/main" id="{E5AA1467-D62C-45A7-ACF7-203AF9BB2450}"/>
+              </a:ext>
+              <a:ext uri="{C183D7F6-B498-43B3-948B-1728B52AA6E4}">
+                <adec:decorative xmlns:adec="http://schemas.microsoft.com/office/drawing/2017/decorative" val="1"/>
+              </a:ext>
+            </a:extLst>
+          </p:cNvPr>
+          <p:cNvSpPr>
+            <a:spLocks noGrp="1" noRot="1" noChangeAspect="1" noMove="1" noResize="1" noEditPoints="1" noAdjustHandles="1" noChangeArrowheads="1" noChangeShapeType="1" noTextEdit="1"/>
+          </p:cNvSpPr>
+          <p:nvPr>
+            <p:extLst>
+              <p:ext uri="{386F3935-93C4-4BCD-93E2-E3B085C9AB24}">
+                <p16:designElem xmlns:p16="http://schemas.microsoft.com/office/powerpoint/2015/main" val="1"/>
+              </p:ext>
+            </p:extLst>
+          </p:nvPr>
+        </p:nvSpPr>
+        <p:spPr>
+          <a:xfrm>
+            <a:off x="1007533" y="0"/>
+            <a:ext cx="10378001" cy="6858000"/>
+          </a:xfrm>
+          <a:prstGeom prst="rect">
+            <a:avLst/>
+          </a:prstGeom>
+          <a:solidFill>
+            <a:schemeClr val="bg2">
+              <a:alpha val="92000"/>
+            </a:schemeClr>
+          </a:solidFill>
+          <a:ln>
+            <a:noFill/>
+          </a:ln>
+        </p:spPr>
+        <p:style>
+          <a:lnRef idx="2">
+            <a:schemeClr val="accent1">
+              <a:shade val="50000"/>
+            </a:schemeClr>
+          </a:lnRef>
+          <a:fillRef idx="1">
+            <a:schemeClr val="accent1"/>
+          </a:fillRef>
+          <a:effectRef idx="0">
+            <a:schemeClr val="accent1"/>
+          </a:effectRef>
+          <a:fontRef idx="minor">
+            <a:schemeClr val="lt1"/>
+          </a:fontRef>
+        </p:style>
+        <p:txBody>
+          <a:bodyPr rtlCol="0" anchor="ctr"/>
+          <a:lstStyle/>
+          <a:p>
+            <a:pPr algn="ctr"/>
+            <a:endParaRPr lang="en-US"/>
+          </a:p>
+        </p:txBody>
+      </p:sp>
+      <p:sp>
+        <p:nvSpPr>
+          <p:cNvPr id="2" name="Title 1">
+            <a:extLst>
+              <a:ext uri="{FF2B5EF4-FFF2-40B4-BE49-F238E27FC236}">
+                <a16:creationId xmlns:a16="http://schemas.microsoft.com/office/drawing/2014/main" id="{F8FCC5F6-C3D0-4BC9-B56F-392A19204B2F}"/>
+              </a:ext>
+            </a:extLst>
+          </p:cNvPr>
+          <p:cNvSpPr>
+            <a:spLocks noGrp="1"/>
+          </p:cNvSpPr>
+          <p:nvPr>
+            <p:ph type="title"/>
+          </p:nvPr>
+        </p:nvSpPr>
+        <p:spPr>
+          <a:xfrm>
+            <a:off x="1974254" y="5166421"/>
+            <a:ext cx="8445357" cy="883524"/>
+          </a:xfrm>
+        </p:spPr>
+        <p:txBody>
+          <a:bodyPr vert="horz" lIns="91440" tIns="45720" rIns="91440" bIns="45720" rtlCol="0" anchor="t">
+            <a:normAutofit/>
+          </a:bodyPr>
+          <a:lstStyle/>
+          <a:p>
+            <a:r>
+              <a:rPr lang="en-US" sz="4800"/>
+              <a:t>Versioning avec </a:t>
+            </a:r>
+            <a:r>
+              <a:rPr lang="en-US" sz="4800">
+                <a:hlinkClick r:id="rId5"/>
+              </a:rPr>
+              <a:t>Github</a:t>
+            </a:r>
+            <a:endParaRPr lang="en-US" sz="4800"/>
+          </a:p>
+        </p:txBody>
+      </p:sp>
+      <p:pic>
+        <p:nvPicPr>
+          <p:cNvPr id="9" name="Picture 10">
+            <a:extLst>
+              <a:ext uri="{FF2B5EF4-FFF2-40B4-BE49-F238E27FC236}">
+                <a16:creationId xmlns:a16="http://schemas.microsoft.com/office/drawing/2014/main" id="{BD534FEC-CCB1-43B5-8744-BD6F485A060F}"/>
+              </a:ext>
+            </a:extLst>
+          </p:cNvPr>
+          <p:cNvPicPr>
+            <a:picLocks noChangeAspect="1"/>
+          </p:cNvPicPr>
+          <p:nvPr/>
+        </p:nvPicPr>
+        <p:blipFill rotWithShape="1">
+          <a:blip r:embed="rId6"/>
+          <a:srcRect t="16576" r="-2" b="6507"/>
+          <a:stretch/>
+        </p:blipFill>
+        <p:spPr>
+          <a:xfrm>
+            <a:off x="1005400" y="-2718"/>
+            <a:ext cx="3457679" cy="3940034"/>
+          </a:xfrm>
+          <a:prstGeom prst="rect">
+            <a:avLst/>
+          </a:prstGeom>
+          <a:ln>
+            <a:noFill/>
+          </a:ln>
+          <a:effectLst/>
+        </p:spPr>
+      </p:pic>
+      <p:pic>
+        <p:nvPicPr>
+          <p:cNvPr id="7" name="Picture 8">
+            <a:extLst>
+              <a:ext uri="{FF2B5EF4-FFF2-40B4-BE49-F238E27FC236}">
+                <a16:creationId xmlns:a16="http://schemas.microsoft.com/office/drawing/2014/main" id="{DA126370-4432-4F05-B215-51591E9C25CC}"/>
+              </a:ext>
+            </a:extLst>
+          </p:cNvPr>
+          <p:cNvPicPr>
+            <a:picLocks noChangeAspect="1"/>
+          </p:cNvPicPr>
+          <p:nvPr/>
+        </p:nvPicPr>
+        <p:blipFill rotWithShape="1">
+          <a:blip r:embed="rId7"/>
+          <a:srcRect t="9180" r="1" b="1655"/>
+          <a:stretch/>
+        </p:blipFill>
+        <p:spPr>
+          <a:xfrm>
+            <a:off x="4463078" y="-2718"/>
+            <a:ext cx="3457671" cy="3940034"/>
+          </a:xfrm>
+          <a:prstGeom prst="rect">
+            <a:avLst/>
+          </a:prstGeom>
+          <a:ln>
+            <a:noFill/>
+          </a:ln>
+          <a:effectLst/>
+        </p:spPr>
+      </p:pic>
+      <p:pic>
+        <p:nvPicPr>
+          <p:cNvPr id="11" name="Picture 16">
+            <a:extLst>
+              <a:ext uri="{FF2B5EF4-FFF2-40B4-BE49-F238E27FC236}">
+                <a16:creationId xmlns:a16="http://schemas.microsoft.com/office/drawing/2014/main" id="{E1EF0DEB-095A-45FA-9A3A-2B46A435C18A}"/>
+              </a:ext>
+            </a:extLst>
+          </p:cNvPr>
+          <p:cNvPicPr>
+            <a:picLocks noChangeAspect="1"/>
+          </p:cNvPicPr>
+          <p:nvPr/>
+        </p:nvPicPr>
+        <p:blipFill rotWithShape="1">
+          <a:blip r:embed="rId8"/>
+          <a:srcRect t="5214" r="4" b="10633"/>
+          <a:stretch/>
+        </p:blipFill>
+        <p:spPr>
+          <a:xfrm>
+            <a:off x="7920750" y="-2718"/>
+            <a:ext cx="3464542" cy="3940034"/>
+          </a:xfrm>
+          <a:prstGeom prst="rect">
+            <a:avLst/>
+          </a:prstGeom>
+          <a:ln>
+            <a:noFill/>
+          </a:ln>
+          <a:effectLst/>
+        </p:spPr>
+      </p:pic>
+      <p:sp>
+        <p:nvSpPr>
+          <p:cNvPr id="74" name="Rectangle 73">
+            <a:extLst>
+              <a:ext uri="{FF2B5EF4-FFF2-40B4-BE49-F238E27FC236}">
+                <a16:creationId xmlns:a16="http://schemas.microsoft.com/office/drawing/2014/main" id="{C8DB194D-5869-49EE-B251-DF4F72005AFE}"/>
+              </a:ext>
+              <a:ext uri="{C183D7F6-B498-43B3-948B-1728B52AA6E4}">
+                <adec:decorative xmlns:adec="http://schemas.microsoft.com/office/drawing/2017/decorative" val="1"/>
+              </a:ext>
+            </a:extLst>
+          </p:cNvPr>
+          <p:cNvSpPr>
+            <a:spLocks noGrp="1" noRot="1" noChangeAspect="1" noMove="1" noResize="1" noEditPoints="1" noAdjustHandles="1" noChangeArrowheads="1" noChangeShapeType="1" noTextEdit="1"/>
+          </p:cNvSpPr>
+          <p:nvPr>
+            <p:extLst>
+              <p:ext uri="{386F3935-93C4-4BCD-93E2-E3B085C9AB24}">
+                <p16:designElem xmlns:p16="http://schemas.microsoft.com/office/powerpoint/2015/main" val="1"/>
+              </p:ext>
+            </p:extLst>
+          </p:nvPr>
+        </p:nvSpPr>
+        <p:spPr>
+          <a:xfrm>
+            <a:off x="11387666" y="-2718"/>
+            <a:ext cx="27432" cy="6858000"/>
+          </a:xfrm>
+          <a:prstGeom prst="rect">
+            <a:avLst/>
+          </a:prstGeom>
+          <a:solidFill>
+            <a:schemeClr val="accent6"/>
+          </a:solidFill>
+          <a:ln>
+            <a:noFill/>
+          </a:ln>
+        </p:spPr>
+        <p:style>
+          <a:lnRef idx="2">
+            <a:schemeClr val="accent1">
+              <a:shade val="50000"/>
+            </a:schemeClr>
+          </a:lnRef>
+          <a:fillRef idx="1">
+            <a:schemeClr val="accent1"/>
+          </a:fillRef>
+          <a:effectRef idx="0">
+            <a:schemeClr val="accent1"/>
+          </a:effectRef>
+          <a:fontRef idx="minor">
+            <a:schemeClr val="lt1"/>
+          </a:fontRef>
+        </p:style>
+        <p:txBody>
+          <a:bodyPr rtlCol="0" anchor="ctr"/>
+          <a:lstStyle/>
+          <a:p>
+            <a:pPr algn="ctr"/>
+            <a:endParaRPr lang="en-US"/>
+          </a:p>
+        </p:txBody>
+      </p:sp>
+      <p:sp>
+        <p:nvSpPr>
+          <p:cNvPr id="3" name="Title 1">
+            <a:extLst>
+              <a:ext uri="{FF2B5EF4-FFF2-40B4-BE49-F238E27FC236}">
+                <a16:creationId xmlns:a16="http://schemas.microsoft.com/office/drawing/2014/main" id="{B85D4474-344F-4C18-8201-97891AE0A048}"/>
+              </a:ext>
+            </a:extLst>
+          </p:cNvPr>
+          <p:cNvSpPr txBox="1">
+            <a:spLocks/>
+          </p:cNvSpPr>
+          <p:nvPr/>
+        </p:nvSpPr>
+        <p:spPr>
+          <a:xfrm>
+            <a:off x="2256834" y="6334218"/>
+            <a:ext cx="8381238" cy="1077229"/>
+          </a:xfrm>
+          <a:prstGeom prst="rect">
+            <a:avLst/>
+          </a:prstGeom>
+        </p:spPr>
+        <p:txBody>
+          <a:bodyPr vert="horz" lIns="91440" tIns="45720" rIns="91440" bIns="45720" rtlCol="0" anchor="t">
+            <a:normAutofit/>
+          </a:bodyPr>
+          <a:lstStyle>
+            <a:lvl1pPr algn="r" defTabSz="914400" rtl="0" eaLnBrk="1" latinLnBrk="0" hangingPunct="1">
+              <a:lnSpc>
+                <a:spcPct val="90000"/>
+              </a:lnSpc>
+              <a:spcBef>
+                <a:spcPct val="0"/>
+              </a:spcBef>
+              <a:buNone/>
+              <a:defRPr sz="3400" b="0" i="0" kern="1200" cap="none">
+                <a:solidFill>
+                  <a:schemeClr val="tx1"/>
+                </a:solidFill>
+                <a:effectLst/>
+                <a:latin typeface="+mj-lt"/>
+                <a:ea typeface="+mj-ea"/>
+                <a:cs typeface="+mj-cs"/>
+              </a:defRPr>
+            </a:lvl1pPr>
+          </a:lstStyle>
+          <a:p>
+            <a:pPr algn="l"/>
+            <a:endParaRPr lang="en-US" sz="1800">
+              <a:cs typeface="Calibri Light"/>
+            </a:endParaRPr>
+          </a:p>
+        </p:txBody>
+      </p:sp>
+    </p:spTree>
+    <p:extLst>
+      <p:ext uri="{BB962C8B-B14F-4D97-AF65-F5344CB8AC3E}">
+        <p14:creationId xmlns:p14="http://schemas.microsoft.com/office/powerpoint/2010/main" val="1832393137"/>
+      </p:ext>
+    </p:extLst>
+  </p:cSld>
+  <p:clrMapOvr>
+    <a:masterClrMapping/>
+  </p:clrMapOvr>
+</p:sld>
+</file>
+
+<file path=ppt/slides/slide8.xml><?xml version="1.0" encoding="utf-8"?>
+<p:sld xmlns:a="http://schemas.openxmlformats.org/drawingml/2006/main" xmlns:r="http://schemas.openxmlformats.org/officeDocument/2006/relationships" xmlns:p="http://schemas.openxmlformats.org/presentationml/2006/main">
+  <p:cSld>
+    <p:bg>
+      <p:bgPr>
+        <a:blipFill rotWithShape="1">
+          <a:blip r:embed="rId2"/>
+          <a:stretch/>
+        </a:blipFill>
+        <a:effectLst/>
+      </p:bgPr>
+    </p:bg>
+    <p:spTree>
+      <p:nvGrpSpPr>
+        <p:cNvPr id="1" name=""/>
+        <p:cNvGrpSpPr/>
+        <p:nvPr/>
+      </p:nvGrpSpPr>
+      <p:grpSpPr>
+        <a:xfrm>
+          <a:off x="0" y="0"/>
+          <a:ext cx="0" cy="0"/>
+          <a:chOff x="0" y="0"/>
+          <a:chExt cx="0" cy="0"/>
+        </a:xfrm>
+      </p:grpSpPr>
       <p:sp useBgFill="1">
         <p:nvSpPr>
           <p:cNvPr id="8" name="Rectangle 7">
@@ -11409,1020 +12453,6 @@
     <p:extLst>
       <p:ext uri="{BB962C8B-B14F-4D97-AF65-F5344CB8AC3E}">
         <p14:creationId xmlns:p14="http://schemas.microsoft.com/office/powerpoint/2010/main" val="652178429"/>
-      </p:ext>
-    </p:extLst>
-  </p:cSld>
-  <p:clrMapOvr>
-    <a:masterClrMapping/>
-  </p:clrMapOvr>
-</p:sld>
-</file>
-
-<file path=ppt/slides/slide8.xml><?xml version="1.0" encoding="utf-8"?>
-<p:sld xmlns:a="http://schemas.openxmlformats.org/drawingml/2006/main" xmlns:r="http://schemas.openxmlformats.org/officeDocument/2006/relationships" xmlns:p="http://schemas.openxmlformats.org/presentationml/2006/main">
-  <p:cSld>
-    <p:bg>
-      <p:bgPr>
-        <a:blipFill rotWithShape="1">
-          <a:blip r:embed="rId2"/>
-          <a:stretch/>
-        </a:blipFill>
-        <a:effectLst/>
-      </p:bgPr>
-    </p:bg>
-    <p:spTree>
-      <p:nvGrpSpPr>
-        <p:cNvPr id="1" name=""/>
-        <p:cNvGrpSpPr/>
-        <p:nvPr/>
-      </p:nvGrpSpPr>
-      <p:grpSpPr>
-        <a:xfrm>
-          <a:off x="0" y="0"/>
-          <a:ext cx="0" cy="0"/>
-          <a:chOff x="0" y="0"/>
-          <a:chExt cx="0" cy="0"/>
-        </a:xfrm>
-      </p:grpSpPr>
-      <p:pic>
-        <p:nvPicPr>
-          <p:cNvPr id="48" name="Picture 47">
-            <a:extLst>
-              <a:ext uri="{FF2B5EF4-FFF2-40B4-BE49-F238E27FC236}">
-                <a16:creationId xmlns:a16="http://schemas.microsoft.com/office/drawing/2014/main" id="{ACA0F49E-11A3-43A8-9EDA-2A9BD969D4F6}"/>
-              </a:ext>
-              <a:ext uri="{C183D7F6-B498-43B3-948B-1728B52AA6E4}">
-                <adec:decorative xmlns:adec="http://schemas.microsoft.com/office/drawing/2017/decorative" val="1"/>
-              </a:ext>
-            </a:extLst>
-          </p:cNvPr>
-          <p:cNvPicPr>
-            <a:picLocks noGrp="1" noRot="1" noChangeAspect="1" noMove="1" noResize="1" noEditPoints="1" noAdjustHandles="1" noChangeArrowheads="1" noChangeShapeType="1" noCrop="1"/>
-          </p:cNvPicPr>
-          <p:nvPr>
-            <p:extLst>
-              <p:ext uri="{386F3935-93C4-4BCD-93E2-E3B085C9AB24}">
-                <p16:designElem xmlns:p16="http://schemas.microsoft.com/office/powerpoint/2015/main" val="1"/>
-              </p:ext>
-            </p:extLst>
-          </p:nvPr>
-        </p:nvPicPr>
-        <p:blipFill>
-          <a:blip r:embed="rId3">
-            <a:extLst>
-              <a:ext uri="{28A0092B-C50C-407E-A947-70E740481C1C}">
-                <a14:useLocalDpi xmlns:a14="http://schemas.microsoft.com/office/drawing/2010/main" val="0"/>
-              </a:ext>
-            </a:extLst>
-          </a:blip>
-          <a:stretch>
-            <a:fillRect/>
-          </a:stretch>
-        </p:blipFill>
-        <p:spPr>
-          <a:xfrm>
-            <a:off x="2831794" y="2105202"/>
-            <a:ext cx="9360205" cy="4752798"/>
-          </a:xfrm>
-          <a:prstGeom prst="rect">
-            <a:avLst/>
-          </a:prstGeom>
-        </p:spPr>
-      </p:pic>
-      <p:pic>
-        <p:nvPicPr>
-          <p:cNvPr id="50" name="Picture 49">
-            <a:extLst>
-              <a:ext uri="{FF2B5EF4-FFF2-40B4-BE49-F238E27FC236}">
-                <a16:creationId xmlns:a16="http://schemas.microsoft.com/office/drawing/2014/main" id="{664B0BA6-562E-451C-B285-128973BB5151}"/>
-              </a:ext>
-              <a:ext uri="{C183D7F6-B498-43B3-948B-1728B52AA6E4}">
-                <adec:decorative xmlns:adec="http://schemas.microsoft.com/office/drawing/2017/decorative" val="1"/>
-              </a:ext>
-            </a:extLst>
-          </p:cNvPr>
-          <p:cNvPicPr>
-            <a:picLocks noGrp="1" noRot="1" noChangeAspect="1" noMove="1" noResize="1" noEditPoints="1" noAdjustHandles="1" noChangeArrowheads="1" noChangeShapeType="1" noCrop="1"/>
-          </p:cNvPicPr>
-          <p:nvPr>
-            <p:extLst>
-              <p:ext uri="{386F3935-93C4-4BCD-93E2-E3B085C9AB24}">
-                <p16:designElem xmlns:p16="http://schemas.microsoft.com/office/powerpoint/2015/main" val="1"/>
-              </p:ext>
-            </p:extLst>
-          </p:nvPr>
-        </p:nvPicPr>
-        <p:blipFill>
-          <a:blip r:embed="rId4">
-            <a:extLst>
-              <a:ext uri="{28A0092B-C50C-407E-A947-70E740481C1C}">
-                <a14:useLocalDpi xmlns:a14="http://schemas.microsoft.com/office/drawing/2010/main" val="0"/>
-              </a:ext>
-            </a:extLst>
-          </a:blip>
-          <a:stretch>
-            <a:fillRect/>
-          </a:stretch>
-        </p:blipFill>
-        <p:spPr>
-          <a:xfrm>
-            <a:off x="0" y="0"/>
-            <a:ext cx="12189867" cy="6858000"/>
-          </a:xfrm>
-          <a:prstGeom prst="rect">
-            <a:avLst/>
-          </a:prstGeom>
-        </p:spPr>
-      </p:pic>
-      <p:sp>
-        <p:nvSpPr>
-          <p:cNvPr id="52" name="Rectangle 51">
-            <a:extLst>
-              <a:ext uri="{FF2B5EF4-FFF2-40B4-BE49-F238E27FC236}">
-                <a16:creationId xmlns:a16="http://schemas.microsoft.com/office/drawing/2014/main" id="{01E02663-98E0-4C21-B6ED-DC87FDEEDEA5}"/>
-              </a:ext>
-              <a:ext uri="{C183D7F6-B498-43B3-948B-1728B52AA6E4}">
-                <adec:decorative xmlns:adec="http://schemas.microsoft.com/office/drawing/2017/decorative" val="1"/>
-              </a:ext>
-            </a:extLst>
-          </p:cNvPr>
-          <p:cNvSpPr>
-            <a:spLocks noGrp="1" noRot="1" noChangeAspect="1" noMove="1" noResize="1" noEditPoints="1" noAdjustHandles="1" noChangeArrowheads="1" noChangeShapeType="1" noTextEdit="1"/>
-          </p:cNvSpPr>
-          <p:nvPr>
-            <p:extLst>
-              <p:ext uri="{386F3935-93C4-4BCD-93E2-E3B085C9AB24}">
-                <p16:designElem xmlns:p16="http://schemas.microsoft.com/office/powerpoint/2015/main" val="1"/>
-              </p:ext>
-            </p:extLst>
-          </p:nvPr>
-        </p:nvSpPr>
-        <p:spPr>
-          <a:xfrm>
-            <a:off x="0" y="0"/>
-            <a:ext cx="964174" cy="6858000"/>
-          </a:xfrm>
-          <a:prstGeom prst="rect">
-            <a:avLst/>
-          </a:prstGeom>
-          <a:solidFill>
-            <a:schemeClr val="bg2"/>
-          </a:solidFill>
-          <a:ln>
-            <a:noFill/>
-          </a:ln>
-        </p:spPr>
-        <p:style>
-          <a:lnRef idx="2">
-            <a:schemeClr val="accent1">
-              <a:shade val="50000"/>
-            </a:schemeClr>
-          </a:lnRef>
-          <a:fillRef idx="1">
-            <a:schemeClr val="accent1"/>
-          </a:fillRef>
-          <a:effectRef idx="0">
-            <a:schemeClr val="accent1"/>
-          </a:effectRef>
-          <a:fontRef idx="minor">
-            <a:schemeClr val="lt1"/>
-          </a:fontRef>
-        </p:style>
-      </p:sp>
-      <p:sp>
-        <p:nvSpPr>
-          <p:cNvPr id="54" name="Rectangle 53">
-            <a:extLst>
-              <a:ext uri="{FF2B5EF4-FFF2-40B4-BE49-F238E27FC236}">
-                <a16:creationId xmlns:a16="http://schemas.microsoft.com/office/drawing/2014/main" id="{B487FE52-B438-4D9D-83C3-37B824B632F5}"/>
-              </a:ext>
-              <a:ext uri="{C183D7F6-B498-43B3-948B-1728B52AA6E4}">
-                <adec:decorative xmlns:adec="http://schemas.microsoft.com/office/drawing/2017/decorative" val="1"/>
-              </a:ext>
-            </a:extLst>
-          </p:cNvPr>
-          <p:cNvSpPr>
-            <a:spLocks noGrp="1" noRot="1" noChangeAspect="1" noMove="1" noResize="1" noEditPoints="1" noAdjustHandles="1" noChangeArrowheads="1" noChangeShapeType="1" noTextEdit="1"/>
-          </p:cNvSpPr>
-          <p:nvPr>
-            <p:extLst>
-              <p:ext uri="{386F3935-93C4-4BCD-93E2-E3B085C9AB24}">
-                <p16:designElem xmlns:p16="http://schemas.microsoft.com/office/powerpoint/2015/main" val="1"/>
-              </p:ext>
-            </p:extLst>
-          </p:nvPr>
-        </p:nvSpPr>
-        <p:spPr>
-          <a:xfrm>
-            <a:off x="962042" y="0"/>
-            <a:ext cx="45719" cy="6858000"/>
-          </a:xfrm>
-          <a:prstGeom prst="rect">
-            <a:avLst/>
-          </a:prstGeom>
-          <a:solidFill>
-            <a:schemeClr val="accent6"/>
-          </a:solidFill>
-          <a:ln>
-            <a:noFill/>
-          </a:ln>
-        </p:spPr>
-        <p:style>
-          <a:lnRef idx="2">
-            <a:schemeClr val="accent1">
-              <a:shade val="50000"/>
-            </a:schemeClr>
-          </a:lnRef>
-          <a:fillRef idx="1">
-            <a:schemeClr val="accent1"/>
-          </a:fillRef>
-          <a:effectRef idx="0">
-            <a:schemeClr val="accent1"/>
-          </a:effectRef>
-          <a:fontRef idx="minor">
-            <a:schemeClr val="lt1"/>
-          </a:fontRef>
-        </p:style>
-      </p:sp>
-      <p:sp>
-        <p:nvSpPr>
-          <p:cNvPr id="56" name="Rectangle 55">
-            <a:extLst>
-              <a:ext uri="{FF2B5EF4-FFF2-40B4-BE49-F238E27FC236}">
-                <a16:creationId xmlns:a16="http://schemas.microsoft.com/office/drawing/2014/main" id="{5304DB49-65A9-45C4-99EA-8FD7664564DC}"/>
-              </a:ext>
-              <a:ext uri="{C183D7F6-B498-43B3-948B-1728B52AA6E4}">
-                <adec:decorative xmlns:adec="http://schemas.microsoft.com/office/drawing/2017/decorative" val="1"/>
-              </a:ext>
-            </a:extLst>
-          </p:cNvPr>
-          <p:cNvSpPr>
-            <a:spLocks noGrp="1" noRot="1" noChangeAspect="1" noMove="1" noResize="1" noEditPoints="1" noAdjustHandles="1" noChangeArrowheads="1" noChangeShapeType="1" noTextEdit="1"/>
-          </p:cNvSpPr>
-          <p:nvPr>
-            <p:extLst>
-              <p:ext uri="{386F3935-93C4-4BCD-93E2-E3B085C9AB24}">
-                <p16:designElem xmlns:p16="http://schemas.microsoft.com/office/powerpoint/2015/main" val="1"/>
-              </p:ext>
-            </p:extLst>
-          </p:nvPr>
-        </p:nvSpPr>
-        <p:spPr>
-          <a:xfrm>
-            <a:off x="1007533" y="0"/>
-            <a:ext cx="7934348" cy="6858000"/>
-          </a:xfrm>
-          <a:prstGeom prst="rect">
-            <a:avLst/>
-          </a:prstGeom>
-          <a:solidFill>
-            <a:schemeClr val="bg2">
-              <a:alpha val="92000"/>
-            </a:schemeClr>
-          </a:solidFill>
-          <a:ln>
-            <a:noFill/>
-          </a:ln>
-        </p:spPr>
-        <p:style>
-          <a:lnRef idx="2">
-            <a:schemeClr val="accent1">
-              <a:shade val="50000"/>
-            </a:schemeClr>
-          </a:lnRef>
-          <a:fillRef idx="1">
-            <a:schemeClr val="accent1"/>
-          </a:fillRef>
-          <a:effectRef idx="0">
-            <a:schemeClr val="accent1"/>
-          </a:effectRef>
-          <a:fontRef idx="minor">
-            <a:schemeClr val="lt1"/>
-          </a:fontRef>
-        </p:style>
-      </p:sp>
-      <p:sp>
-        <p:nvSpPr>
-          <p:cNvPr id="58" name="Rectangle 57">
-            <a:extLst>
-              <a:ext uri="{FF2B5EF4-FFF2-40B4-BE49-F238E27FC236}">
-                <a16:creationId xmlns:a16="http://schemas.microsoft.com/office/drawing/2014/main" id="{E4B9951D-465E-4556-A253-B5D6BAA430ED}"/>
-              </a:ext>
-              <a:ext uri="{C183D7F6-B498-43B3-948B-1728B52AA6E4}">
-                <adec:decorative xmlns:adec="http://schemas.microsoft.com/office/drawing/2017/decorative" val="1"/>
-              </a:ext>
-            </a:extLst>
-          </p:cNvPr>
-          <p:cNvSpPr>
-            <a:spLocks noGrp="1" noRot="1" noChangeAspect="1" noMove="1" noResize="1" noEditPoints="1" noAdjustHandles="1" noChangeArrowheads="1" noChangeShapeType="1" noTextEdit="1"/>
-          </p:cNvSpPr>
-          <p:nvPr>
-            <p:extLst>
-              <p:ext uri="{386F3935-93C4-4BCD-93E2-E3B085C9AB24}">
-                <p16:designElem xmlns:p16="http://schemas.microsoft.com/office/powerpoint/2015/main" val="1"/>
-              </p:ext>
-            </p:extLst>
-          </p:nvPr>
-        </p:nvSpPr>
-        <p:spPr>
-          <a:xfrm>
-            <a:off x="8941881" y="0"/>
-            <a:ext cx="27432" cy="6858000"/>
-          </a:xfrm>
-          <a:prstGeom prst="rect">
-            <a:avLst/>
-          </a:prstGeom>
-          <a:solidFill>
-            <a:schemeClr val="accent6"/>
-          </a:solidFill>
-          <a:ln>
-            <a:noFill/>
-          </a:ln>
-        </p:spPr>
-        <p:style>
-          <a:lnRef idx="2">
-            <a:schemeClr val="accent1">
-              <a:shade val="50000"/>
-            </a:schemeClr>
-          </a:lnRef>
-          <a:fillRef idx="1">
-            <a:schemeClr val="accent1"/>
-          </a:fillRef>
-          <a:effectRef idx="0">
-            <a:schemeClr val="accent1"/>
-          </a:effectRef>
-          <a:fontRef idx="minor">
-            <a:schemeClr val="lt1"/>
-          </a:fontRef>
-        </p:style>
-      </p:sp>
-      <p:sp>
-        <p:nvSpPr>
-          <p:cNvPr id="60" name="TextBox 59">
-            <a:extLst>
-              <a:ext uri="{FF2B5EF4-FFF2-40B4-BE49-F238E27FC236}">
-                <a16:creationId xmlns:a16="http://schemas.microsoft.com/office/drawing/2014/main" id="{CA5394D2-60B1-44F7-B5AD-B01C4EEB7BCE}"/>
-              </a:ext>
-              <a:ext uri="{C183D7F6-B498-43B3-948B-1728B52AA6E4}">
-                <adec:decorative xmlns:adec="http://schemas.microsoft.com/office/drawing/2017/decorative" val="1"/>
-              </a:ext>
-            </a:extLst>
-          </p:cNvPr>
-          <p:cNvSpPr txBox="1">
-            <a:spLocks noGrp="1" noRot="1" noChangeAspect="1" noMove="1" noResize="1" noEditPoints="1" noAdjustHandles="1" noChangeArrowheads="1" noChangeShapeType="1" noTextEdit="1"/>
-          </p:cNvSpPr>
-          <p:nvPr>
-            <p:extLst>
-              <p:ext uri="{386F3935-93C4-4BCD-93E2-E3B085C9AB24}">
-                <p16:designElem xmlns:p16="http://schemas.microsoft.com/office/powerpoint/2015/main" val="1"/>
-              </p:ext>
-            </p:extLst>
-          </p:nvPr>
-        </p:nvSpPr>
-        <p:spPr>
-          <a:xfrm>
-            <a:off x="2191282" y="3262852"/>
-            <a:ext cx="415636" cy="461665"/>
-          </a:xfrm>
-          <a:prstGeom prst="rect">
-            <a:avLst/>
-          </a:prstGeom>
-          <a:noFill/>
-        </p:spPr>
-        <p:txBody>
-          <a:bodyPr wrap="square" rtlCol="0">
-            <a:spAutoFit/>
-          </a:bodyPr>
-          <a:lstStyle/>
-          <a:p>
-            <a:pPr algn="r">
-              <a:spcAft>
-                <a:spcPts val="600"/>
-              </a:spcAft>
-            </a:pPr>
-            <a:r>
-              <a:rPr lang="en-US" sz="2400">
-                <a:solidFill>
-                  <a:schemeClr val="accent6"/>
-                </a:solidFill>
-                <a:latin typeface="Wingdings 3" panose="05040102010807070707" pitchFamily="18" charset="2"/>
-              </a:rPr>
-              <a:t>z</a:t>
-            </a:r>
-            <a:endParaRPr lang="en-US" sz="2400">
-              <a:solidFill>
-                <a:schemeClr val="accent6"/>
-              </a:solidFill>
-              <a:latin typeface="MS Shell Dlg 2" panose="020B0604030504040204" pitchFamily="34" charset="0"/>
-            </a:endParaRPr>
-          </a:p>
-        </p:txBody>
-      </p:sp>
-      <p:sp useBgFill="1">
-        <p:nvSpPr>
-          <p:cNvPr id="62" name="Rectangle 61">
-            <a:extLst>
-              <a:ext uri="{FF2B5EF4-FFF2-40B4-BE49-F238E27FC236}">
-                <a16:creationId xmlns:a16="http://schemas.microsoft.com/office/drawing/2014/main" id="{6C023B43-933C-488C-AD4B-B9DC86B35F64}"/>
-              </a:ext>
-              <a:ext uri="{C183D7F6-B498-43B3-948B-1728B52AA6E4}">
-                <adec:decorative xmlns:adec="http://schemas.microsoft.com/office/drawing/2017/decorative" val="1"/>
-              </a:ext>
-            </a:extLst>
-          </p:cNvPr>
-          <p:cNvSpPr>
-            <a:spLocks noGrp="1" noRot="1" noChangeAspect="1" noMove="1" noResize="1" noEditPoints="1" noAdjustHandles="1" noChangeArrowheads="1" noChangeShapeType="1" noTextEdit="1"/>
-          </p:cNvSpPr>
-          <p:nvPr>
-            <p:extLst>
-              <p:ext uri="{386F3935-93C4-4BCD-93E2-E3B085C9AB24}">
-                <p16:designElem xmlns:p16="http://schemas.microsoft.com/office/powerpoint/2015/main" val="1"/>
-              </p:ext>
-            </p:extLst>
-          </p:nvPr>
-        </p:nvSpPr>
-        <p:spPr>
-          <a:xfrm>
-            <a:off x="0" y="0"/>
-            <a:ext cx="12189867" cy="6855282"/>
-          </a:xfrm>
-          <a:prstGeom prst="rect">
-            <a:avLst/>
-          </a:prstGeom>
-          <a:ln>
-            <a:noFill/>
-          </a:ln>
-        </p:spPr>
-        <p:style>
-          <a:lnRef idx="2">
-            <a:schemeClr val="accent1">
-              <a:shade val="50000"/>
-            </a:schemeClr>
-          </a:lnRef>
-          <a:fillRef idx="1">
-            <a:schemeClr val="accent1"/>
-          </a:fillRef>
-          <a:effectRef idx="0">
-            <a:schemeClr val="accent1"/>
-          </a:effectRef>
-          <a:fontRef idx="minor">
-            <a:schemeClr val="lt1"/>
-          </a:fontRef>
-        </p:style>
-        <p:txBody>
-          <a:bodyPr rtlCol="0" anchor="ctr"/>
-          <a:lstStyle/>
-          <a:p>
-            <a:pPr algn="ctr"/>
-            <a:endParaRPr lang="en-US"/>
-          </a:p>
-        </p:txBody>
-      </p:sp>
-      <p:pic>
-        <p:nvPicPr>
-          <p:cNvPr id="64" name="Picture 63">
-            <a:extLst>
-              <a:ext uri="{FF2B5EF4-FFF2-40B4-BE49-F238E27FC236}">
-                <a16:creationId xmlns:a16="http://schemas.microsoft.com/office/drawing/2014/main" id="{7E4D34DC-AC37-44BA-8319-F44E6F60AC14}"/>
-              </a:ext>
-              <a:ext uri="{C183D7F6-B498-43B3-948B-1728B52AA6E4}">
-                <adec:decorative xmlns:adec="http://schemas.microsoft.com/office/drawing/2017/decorative" val="1"/>
-              </a:ext>
-            </a:extLst>
-          </p:cNvPr>
-          <p:cNvPicPr>
-            <a:picLocks noGrp="1" noRot="1" noChangeAspect="1" noMove="1" noResize="1" noEditPoints="1" noAdjustHandles="1" noChangeArrowheads="1" noChangeShapeType="1" noCrop="1"/>
-          </p:cNvPicPr>
-          <p:nvPr>
-            <p:extLst>
-              <p:ext uri="{386F3935-93C4-4BCD-93E2-E3B085C9AB24}">
-                <p16:designElem xmlns:p16="http://schemas.microsoft.com/office/powerpoint/2015/main" val="1"/>
-              </p:ext>
-            </p:extLst>
-          </p:nvPr>
-        </p:nvPicPr>
-        <p:blipFill>
-          <a:blip r:embed="rId3">
-            <a:extLst>
-              <a:ext uri="{28A0092B-C50C-407E-A947-70E740481C1C}">
-                <a14:useLocalDpi xmlns:a14="http://schemas.microsoft.com/office/drawing/2010/main" val="0"/>
-              </a:ext>
-            </a:extLst>
-          </a:blip>
-          <a:stretch>
-            <a:fillRect/>
-          </a:stretch>
-        </p:blipFill>
-        <p:spPr>
-          <a:xfrm>
-            <a:off x="2831794" y="2105202"/>
-            <a:ext cx="9360205" cy="4752798"/>
-          </a:xfrm>
-          <a:prstGeom prst="rect">
-            <a:avLst/>
-          </a:prstGeom>
-        </p:spPr>
-      </p:pic>
-      <p:pic>
-        <p:nvPicPr>
-          <p:cNvPr id="66" name="Picture 65">
-            <a:extLst>
-              <a:ext uri="{FF2B5EF4-FFF2-40B4-BE49-F238E27FC236}">
-                <a16:creationId xmlns:a16="http://schemas.microsoft.com/office/drawing/2014/main" id="{07B07F4F-2590-4DF6-B889-8B5791C2A2D8}"/>
-              </a:ext>
-              <a:ext uri="{C183D7F6-B498-43B3-948B-1728B52AA6E4}">
-                <adec:decorative xmlns:adec="http://schemas.microsoft.com/office/drawing/2017/decorative" val="1"/>
-              </a:ext>
-            </a:extLst>
-          </p:cNvPr>
-          <p:cNvPicPr>
-            <a:picLocks noGrp="1" noRot="1" noChangeAspect="1" noMove="1" noResize="1" noEditPoints="1" noAdjustHandles="1" noChangeArrowheads="1" noChangeShapeType="1" noCrop="1"/>
-          </p:cNvPicPr>
-          <p:nvPr>
-            <p:extLst>
-              <p:ext uri="{386F3935-93C4-4BCD-93E2-E3B085C9AB24}">
-                <p16:designElem xmlns:p16="http://schemas.microsoft.com/office/powerpoint/2015/main" val="1"/>
-              </p:ext>
-            </p:extLst>
-          </p:nvPr>
-        </p:nvPicPr>
-        <p:blipFill>
-          <a:blip r:embed="rId4">
-            <a:alphaModFix/>
-            <a:extLst>
-              <a:ext uri="{28A0092B-C50C-407E-A947-70E740481C1C}">
-                <a14:useLocalDpi xmlns:a14="http://schemas.microsoft.com/office/drawing/2010/main" val="0"/>
-              </a:ext>
-            </a:extLst>
-          </a:blip>
-          <a:stretch>
-            <a:fillRect/>
-          </a:stretch>
-        </p:blipFill>
-        <p:spPr>
-          <a:xfrm>
-            <a:off x="0" y="0"/>
-            <a:ext cx="12189867" cy="6858000"/>
-          </a:xfrm>
-          <a:prstGeom prst="rect">
-            <a:avLst/>
-          </a:prstGeom>
-        </p:spPr>
-      </p:pic>
-      <p:sp>
-        <p:nvSpPr>
-          <p:cNvPr id="68" name="Rectangle 67">
-            <a:extLst>
-              <a:ext uri="{FF2B5EF4-FFF2-40B4-BE49-F238E27FC236}">
-                <a16:creationId xmlns:a16="http://schemas.microsoft.com/office/drawing/2014/main" id="{95404E8B-F56B-4289-8BD6-562FF47DAE99}"/>
-              </a:ext>
-              <a:ext uri="{C183D7F6-B498-43B3-948B-1728B52AA6E4}">
-                <adec:decorative xmlns:adec="http://schemas.microsoft.com/office/drawing/2017/decorative" val="1"/>
-              </a:ext>
-            </a:extLst>
-          </p:cNvPr>
-          <p:cNvSpPr>
-            <a:spLocks noGrp="1" noRot="1" noChangeAspect="1" noMove="1" noResize="1" noEditPoints="1" noAdjustHandles="1" noChangeArrowheads="1" noChangeShapeType="1" noTextEdit="1"/>
-          </p:cNvSpPr>
-          <p:nvPr>
-            <p:extLst>
-              <p:ext uri="{386F3935-93C4-4BCD-93E2-E3B085C9AB24}">
-                <p16:designElem xmlns:p16="http://schemas.microsoft.com/office/powerpoint/2015/main" val="1"/>
-              </p:ext>
-            </p:extLst>
-          </p:nvPr>
-        </p:nvSpPr>
-        <p:spPr>
-          <a:xfrm>
-            <a:off x="0" y="0"/>
-            <a:ext cx="964174" cy="6858000"/>
-          </a:xfrm>
-          <a:prstGeom prst="rect">
-            <a:avLst/>
-          </a:prstGeom>
-          <a:solidFill>
-            <a:schemeClr val="bg2"/>
-          </a:solidFill>
-          <a:ln>
-            <a:noFill/>
-          </a:ln>
-        </p:spPr>
-        <p:style>
-          <a:lnRef idx="2">
-            <a:schemeClr val="accent1">
-              <a:shade val="50000"/>
-            </a:schemeClr>
-          </a:lnRef>
-          <a:fillRef idx="1">
-            <a:schemeClr val="accent1"/>
-          </a:fillRef>
-          <a:effectRef idx="0">
-            <a:schemeClr val="accent1"/>
-          </a:effectRef>
-          <a:fontRef idx="minor">
-            <a:schemeClr val="lt1"/>
-          </a:fontRef>
-        </p:style>
-        <p:txBody>
-          <a:bodyPr rtlCol="0" anchor="ctr"/>
-          <a:lstStyle/>
-          <a:p>
-            <a:pPr algn="ctr"/>
-            <a:endParaRPr lang="en-US"/>
-          </a:p>
-        </p:txBody>
-      </p:sp>
-      <p:sp>
-        <p:nvSpPr>
-          <p:cNvPr id="70" name="Rectangle 69">
-            <a:extLst>
-              <a:ext uri="{FF2B5EF4-FFF2-40B4-BE49-F238E27FC236}">
-                <a16:creationId xmlns:a16="http://schemas.microsoft.com/office/drawing/2014/main" id="{985AD3F2-101C-4022-8E16-9379DE8E454F}"/>
-              </a:ext>
-              <a:ext uri="{C183D7F6-B498-43B3-948B-1728B52AA6E4}">
-                <adec:decorative xmlns:adec="http://schemas.microsoft.com/office/drawing/2017/decorative" val="1"/>
-              </a:ext>
-            </a:extLst>
-          </p:cNvPr>
-          <p:cNvSpPr>
-            <a:spLocks noGrp="1" noRot="1" noChangeAspect="1" noMove="1" noResize="1" noEditPoints="1" noAdjustHandles="1" noChangeArrowheads="1" noChangeShapeType="1" noTextEdit="1"/>
-          </p:cNvSpPr>
-          <p:nvPr>
-            <p:extLst>
-              <p:ext uri="{386F3935-93C4-4BCD-93E2-E3B085C9AB24}">
-                <p16:designElem xmlns:p16="http://schemas.microsoft.com/office/powerpoint/2015/main" val="1"/>
-              </p:ext>
-            </p:extLst>
-          </p:nvPr>
-        </p:nvSpPr>
-        <p:spPr>
-          <a:xfrm>
-            <a:off x="962042" y="0"/>
-            <a:ext cx="45719" cy="6858000"/>
-          </a:xfrm>
-          <a:prstGeom prst="rect">
-            <a:avLst/>
-          </a:prstGeom>
-          <a:solidFill>
-            <a:schemeClr val="accent6"/>
-          </a:solidFill>
-          <a:ln>
-            <a:noFill/>
-          </a:ln>
-        </p:spPr>
-        <p:style>
-          <a:lnRef idx="2">
-            <a:schemeClr val="accent1">
-              <a:shade val="50000"/>
-            </a:schemeClr>
-          </a:lnRef>
-          <a:fillRef idx="1">
-            <a:schemeClr val="accent1"/>
-          </a:fillRef>
-          <a:effectRef idx="0">
-            <a:schemeClr val="accent1"/>
-          </a:effectRef>
-          <a:fontRef idx="minor">
-            <a:schemeClr val="lt1"/>
-          </a:fontRef>
-        </p:style>
-        <p:txBody>
-          <a:bodyPr rtlCol="0" anchor="ctr"/>
-          <a:lstStyle/>
-          <a:p>
-            <a:pPr algn="ctr"/>
-            <a:endParaRPr lang="en-US"/>
-          </a:p>
-        </p:txBody>
-      </p:sp>
-      <p:sp>
-        <p:nvSpPr>
-          <p:cNvPr id="72" name="Rectangle 71">
-            <a:extLst>
-              <a:ext uri="{FF2B5EF4-FFF2-40B4-BE49-F238E27FC236}">
-                <a16:creationId xmlns:a16="http://schemas.microsoft.com/office/drawing/2014/main" id="{E5AA1467-D62C-45A7-ACF7-203AF9BB2450}"/>
-              </a:ext>
-              <a:ext uri="{C183D7F6-B498-43B3-948B-1728B52AA6E4}">
-                <adec:decorative xmlns:adec="http://schemas.microsoft.com/office/drawing/2017/decorative" val="1"/>
-              </a:ext>
-            </a:extLst>
-          </p:cNvPr>
-          <p:cNvSpPr>
-            <a:spLocks noGrp="1" noRot="1" noChangeAspect="1" noMove="1" noResize="1" noEditPoints="1" noAdjustHandles="1" noChangeArrowheads="1" noChangeShapeType="1" noTextEdit="1"/>
-          </p:cNvSpPr>
-          <p:nvPr>
-            <p:extLst>
-              <p:ext uri="{386F3935-93C4-4BCD-93E2-E3B085C9AB24}">
-                <p16:designElem xmlns:p16="http://schemas.microsoft.com/office/powerpoint/2015/main" val="1"/>
-              </p:ext>
-            </p:extLst>
-          </p:nvPr>
-        </p:nvSpPr>
-        <p:spPr>
-          <a:xfrm>
-            <a:off x="1007533" y="0"/>
-            <a:ext cx="10378001" cy="6858000"/>
-          </a:xfrm>
-          <a:prstGeom prst="rect">
-            <a:avLst/>
-          </a:prstGeom>
-          <a:solidFill>
-            <a:schemeClr val="bg2">
-              <a:alpha val="92000"/>
-            </a:schemeClr>
-          </a:solidFill>
-          <a:ln>
-            <a:noFill/>
-          </a:ln>
-        </p:spPr>
-        <p:style>
-          <a:lnRef idx="2">
-            <a:schemeClr val="accent1">
-              <a:shade val="50000"/>
-            </a:schemeClr>
-          </a:lnRef>
-          <a:fillRef idx="1">
-            <a:schemeClr val="accent1"/>
-          </a:fillRef>
-          <a:effectRef idx="0">
-            <a:schemeClr val="accent1"/>
-          </a:effectRef>
-          <a:fontRef idx="minor">
-            <a:schemeClr val="lt1"/>
-          </a:fontRef>
-        </p:style>
-        <p:txBody>
-          <a:bodyPr rtlCol="0" anchor="ctr"/>
-          <a:lstStyle/>
-          <a:p>
-            <a:pPr algn="ctr"/>
-            <a:endParaRPr lang="en-US"/>
-          </a:p>
-        </p:txBody>
-      </p:sp>
-      <p:sp>
-        <p:nvSpPr>
-          <p:cNvPr id="2" name="Title 1">
-            <a:extLst>
-              <a:ext uri="{FF2B5EF4-FFF2-40B4-BE49-F238E27FC236}">
-                <a16:creationId xmlns:a16="http://schemas.microsoft.com/office/drawing/2014/main" id="{F8FCC5F6-C3D0-4BC9-B56F-392A19204B2F}"/>
-              </a:ext>
-            </a:extLst>
-          </p:cNvPr>
-          <p:cNvSpPr>
-            <a:spLocks noGrp="1"/>
-          </p:cNvSpPr>
-          <p:nvPr>
-            <p:ph type="title"/>
-          </p:nvPr>
-        </p:nvSpPr>
-        <p:spPr>
-          <a:xfrm>
-            <a:off x="1974254" y="5166421"/>
-            <a:ext cx="8445357" cy="883524"/>
-          </a:xfrm>
-        </p:spPr>
-        <p:txBody>
-          <a:bodyPr vert="horz" lIns="91440" tIns="45720" rIns="91440" bIns="45720" rtlCol="0" anchor="t">
-            <a:normAutofit/>
-          </a:bodyPr>
-          <a:lstStyle/>
-          <a:p>
-            <a:r>
-              <a:rPr lang="en-US" sz="4800"/>
-              <a:t>Versioning avec </a:t>
-            </a:r>
-            <a:r>
-              <a:rPr lang="en-US" sz="4800">
-                <a:hlinkClick r:id="rId5"/>
-              </a:rPr>
-              <a:t>Github</a:t>
-            </a:r>
-            <a:endParaRPr lang="en-US" sz="4800"/>
-          </a:p>
-        </p:txBody>
-      </p:sp>
-      <p:pic>
-        <p:nvPicPr>
-          <p:cNvPr id="9" name="Picture 10">
-            <a:extLst>
-              <a:ext uri="{FF2B5EF4-FFF2-40B4-BE49-F238E27FC236}">
-                <a16:creationId xmlns:a16="http://schemas.microsoft.com/office/drawing/2014/main" id="{BD534FEC-CCB1-43B5-8744-BD6F485A060F}"/>
-              </a:ext>
-            </a:extLst>
-          </p:cNvPr>
-          <p:cNvPicPr>
-            <a:picLocks noChangeAspect="1"/>
-          </p:cNvPicPr>
-          <p:nvPr/>
-        </p:nvPicPr>
-        <p:blipFill rotWithShape="1">
-          <a:blip r:embed="rId6"/>
-          <a:srcRect t="16576" r="-2" b="6507"/>
-          <a:stretch/>
-        </p:blipFill>
-        <p:spPr>
-          <a:xfrm>
-            <a:off x="1005400" y="-2718"/>
-            <a:ext cx="3457679" cy="3940034"/>
-          </a:xfrm>
-          <a:prstGeom prst="rect">
-            <a:avLst/>
-          </a:prstGeom>
-          <a:ln>
-            <a:noFill/>
-          </a:ln>
-          <a:effectLst/>
-        </p:spPr>
-      </p:pic>
-      <p:pic>
-        <p:nvPicPr>
-          <p:cNvPr id="7" name="Picture 8">
-            <a:extLst>
-              <a:ext uri="{FF2B5EF4-FFF2-40B4-BE49-F238E27FC236}">
-                <a16:creationId xmlns:a16="http://schemas.microsoft.com/office/drawing/2014/main" id="{DA126370-4432-4F05-B215-51591E9C25CC}"/>
-              </a:ext>
-            </a:extLst>
-          </p:cNvPr>
-          <p:cNvPicPr>
-            <a:picLocks noChangeAspect="1"/>
-          </p:cNvPicPr>
-          <p:nvPr/>
-        </p:nvPicPr>
-        <p:blipFill rotWithShape="1">
-          <a:blip r:embed="rId7"/>
-          <a:srcRect t="9180" r="1" b="1655"/>
-          <a:stretch/>
-        </p:blipFill>
-        <p:spPr>
-          <a:xfrm>
-            <a:off x="4463078" y="-2718"/>
-            <a:ext cx="3457671" cy="3940034"/>
-          </a:xfrm>
-          <a:prstGeom prst="rect">
-            <a:avLst/>
-          </a:prstGeom>
-          <a:ln>
-            <a:noFill/>
-          </a:ln>
-          <a:effectLst/>
-        </p:spPr>
-      </p:pic>
-      <p:pic>
-        <p:nvPicPr>
-          <p:cNvPr id="11" name="Picture 16">
-            <a:extLst>
-              <a:ext uri="{FF2B5EF4-FFF2-40B4-BE49-F238E27FC236}">
-                <a16:creationId xmlns:a16="http://schemas.microsoft.com/office/drawing/2014/main" id="{E1EF0DEB-095A-45FA-9A3A-2B46A435C18A}"/>
-              </a:ext>
-            </a:extLst>
-          </p:cNvPr>
-          <p:cNvPicPr>
-            <a:picLocks noChangeAspect="1"/>
-          </p:cNvPicPr>
-          <p:nvPr/>
-        </p:nvPicPr>
-        <p:blipFill rotWithShape="1">
-          <a:blip r:embed="rId8"/>
-          <a:srcRect t="5214" r="4" b="10633"/>
-          <a:stretch/>
-        </p:blipFill>
-        <p:spPr>
-          <a:xfrm>
-            <a:off x="7920750" y="-2718"/>
-            <a:ext cx="3464542" cy="3940034"/>
-          </a:xfrm>
-          <a:prstGeom prst="rect">
-            <a:avLst/>
-          </a:prstGeom>
-          <a:ln>
-            <a:noFill/>
-          </a:ln>
-          <a:effectLst/>
-        </p:spPr>
-      </p:pic>
-      <p:sp>
-        <p:nvSpPr>
-          <p:cNvPr id="74" name="Rectangle 73">
-            <a:extLst>
-              <a:ext uri="{FF2B5EF4-FFF2-40B4-BE49-F238E27FC236}">
-                <a16:creationId xmlns:a16="http://schemas.microsoft.com/office/drawing/2014/main" id="{C8DB194D-5869-49EE-B251-DF4F72005AFE}"/>
-              </a:ext>
-              <a:ext uri="{C183D7F6-B498-43B3-948B-1728B52AA6E4}">
-                <adec:decorative xmlns:adec="http://schemas.microsoft.com/office/drawing/2017/decorative" val="1"/>
-              </a:ext>
-            </a:extLst>
-          </p:cNvPr>
-          <p:cNvSpPr>
-            <a:spLocks noGrp="1" noRot="1" noChangeAspect="1" noMove="1" noResize="1" noEditPoints="1" noAdjustHandles="1" noChangeArrowheads="1" noChangeShapeType="1" noTextEdit="1"/>
-          </p:cNvSpPr>
-          <p:nvPr>
-            <p:extLst>
-              <p:ext uri="{386F3935-93C4-4BCD-93E2-E3B085C9AB24}">
-                <p16:designElem xmlns:p16="http://schemas.microsoft.com/office/powerpoint/2015/main" val="1"/>
-              </p:ext>
-            </p:extLst>
-          </p:nvPr>
-        </p:nvSpPr>
-        <p:spPr>
-          <a:xfrm>
-            <a:off x="11387666" y="-2718"/>
-            <a:ext cx="27432" cy="6858000"/>
-          </a:xfrm>
-          <a:prstGeom prst="rect">
-            <a:avLst/>
-          </a:prstGeom>
-          <a:solidFill>
-            <a:schemeClr val="accent6"/>
-          </a:solidFill>
-          <a:ln>
-            <a:noFill/>
-          </a:ln>
-        </p:spPr>
-        <p:style>
-          <a:lnRef idx="2">
-            <a:schemeClr val="accent1">
-              <a:shade val="50000"/>
-            </a:schemeClr>
-          </a:lnRef>
-          <a:fillRef idx="1">
-            <a:schemeClr val="accent1"/>
-          </a:fillRef>
-          <a:effectRef idx="0">
-            <a:schemeClr val="accent1"/>
-          </a:effectRef>
-          <a:fontRef idx="minor">
-            <a:schemeClr val="lt1"/>
-          </a:fontRef>
-        </p:style>
-        <p:txBody>
-          <a:bodyPr rtlCol="0" anchor="ctr"/>
-          <a:lstStyle/>
-          <a:p>
-            <a:pPr algn="ctr"/>
-            <a:endParaRPr lang="en-US"/>
-          </a:p>
-        </p:txBody>
-      </p:sp>
-      <p:sp>
-        <p:nvSpPr>
-          <p:cNvPr id="3" name="Title 1">
-            <a:extLst>
-              <a:ext uri="{FF2B5EF4-FFF2-40B4-BE49-F238E27FC236}">
-                <a16:creationId xmlns:a16="http://schemas.microsoft.com/office/drawing/2014/main" id="{B85D4474-344F-4C18-8201-97891AE0A048}"/>
-              </a:ext>
-            </a:extLst>
-          </p:cNvPr>
-          <p:cNvSpPr txBox="1">
-            <a:spLocks/>
-          </p:cNvSpPr>
-          <p:nvPr/>
-        </p:nvSpPr>
-        <p:spPr>
-          <a:xfrm>
-            <a:off x="2256834" y="6334218"/>
-            <a:ext cx="8381238" cy="1077229"/>
-          </a:xfrm>
-          <a:prstGeom prst="rect">
-            <a:avLst/>
-          </a:prstGeom>
-        </p:spPr>
-        <p:txBody>
-          <a:bodyPr vert="horz" lIns="91440" tIns="45720" rIns="91440" bIns="45720" rtlCol="0" anchor="t">
-            <a:normAutofit/>
-          </a:bodyPr>
-          <a:lstStyle>
-            <a:lvl1pPr algn="r" defTabSz="914400" rtl="0" eaLnBrk="1" latinLnBrk="0" hangingPunct="1">
-              <a:lnSpc>
-                <a:spcPct val="90000"/>
-              </a:lnSpc>
-              <a:spcBef>
-                <a:spcPct val="0"/>
-              </a:spcBef>
-              <a:buNone/>
-              <a:defRPr sz="3400" b="0" i="0" kern="1200" cap="none">
-                <a:solidFill>
-                  <a:schemeClr val="tx1"/>
-                </a:solidFill>
-                <a:effectLst/>
-                <a:latin typeface="+mj-lt"/>
-                <a:ea typeface="+mj-ea"/>
-                <a:cs typeface="+mj-cs"/>
-              </a:defRPr>
-            </a:lvl1pPr>
-          </a:lstStyle>
-          <a:p>
-            <a:pPr algn="l"/>
-            <a:endParaRPr lang="en-US" sz="1800">
-              <a:cs typeface="Calibri Light"/>
-            </a:endParaRPr>
-          </a:p>
-        </p:txBody>
-      </p:sp>
-    </p:spTree>
-    <p:extLst>
-      <p:ext uri="{BB962C8B-B14F-4D97-AF65-F5344CB8AC3E}">
-        <p14:creationId xmlns:p14="http://schemas.microsoft.com/office/powerpoint/2010/main" val="1832393137"/>
       </p:ext>
     </p:extLst>
   </p:cSld>
